--- a/pres.pptx
+++ b/pres.pptx
@@ -28,18 +28,20 @@
     <p:sldId id="273" r:id="rId22"/>
     <p:sldId id="274" r:id="rId23"/>
     <p:sldId id="275" r:id="rId24"/>
+    <p:sldId id="276" r:id="rId25"/>
+    <p:sldId id="277" r:id="rId26"/>
   </p:sldIdLst>
   <p:sldSz cy="5143500" cx="9144000"/>
   <p:notesSz cx="6858000" cy="9144000"/>
   <p:embeddedFontLst>
     <p:embeddedFont>
       <p:font typeface="Average"/>
-      <p:regular r:id="rId25"/>
+      <p:regular r:id="rId27"/>
     </p:embeddedFont>
     <p:embeddedFont>
       <p:font typeface="Oswald"/>
-      <p:regular r:id="rId26"/>
-      <p:bold r:id="rId27"/>
+      <p:regular r:id="rId28"/>
+      <p:bold r:id="rId29"/>
     </p:embeddedFont>
   </p:embeddedFontLst>
   <p:defaultTextStyle>
@@ -1710,6 +1712,196 @@
       <p:sp>
         <p:nvSpPr>
           <p:cNvPr id="197" name="Shape 197"/>
+          <p:cNvSpPr txBox="1"/>
+          <p:nvPr>
+            <p:ph idx="1" type="body"/>
+          </p:nvPr>
+        </p:nvSpPr>
+        <p:spPr>
+          <a:xfrm>
+            <a:off x="685800" y="4343400"/>
+            <a:ext cx="5486400" cy="4114800"/>
+          </a:xfrm>
+          <a:prstGeom prst="rect">
+            <a:avLst/>
+          </a:prstGeom>
+        </p:spPr>
+        <p:txBody>
+          <a:bodyPr anchorCtr="0" anchor="t" bIns="91425" lIns="91425" rIns="91425" tIns="91425">
+            <a:noAutofit/>
+          </a:bodyPr>
+          <a:lstStyle/>
+          <a:p>
+            <a:pPr lvl="0">
+              <a:spcBef>
+                <a:spcPts val="0"/>
+              </a:spcBef>
+              <a:buNone/>
+            </a:pPr>
+            <a:r>
+              <a:t/>
+            </a:r>
+            <a:endParaRPr/>
+          </a:p>
+        </p:txBody>
+      </p:sp>
+    </p:spTree>
+  </p:cSld>
+  <p:clrMapOvr>
+    <a:masterClrMapping/>
+  </p:clrMapOvr>
+</p:notes>
+</file>
+
+<file path=ppt/notesSlides/notesSlide21.xml><?xml version="1.0" encoding="utf-8"?>
+<p:notes xmlns:a="http://schemas.openxmlformats.org/drawingml/2006/main" xmlns:r="http://schemas.openxmlformats.org/officeDocument/2006/relationships" xmlns:mc="http://schemas.openxmlformats.org/markup-compatibility/2006" xmlns:mv="urn:schemas-microsoft-com:mac:vml" xmlns:p="http://schemas.openxmlformats.org/presentationml/2006/main" xmlns:c="http://schemas.openxmlformats.org/drawingml/2006/chart" xmlns:dgm="http://schemas.openxmlformats.org/drawingml/2006/diagram" xmlns:o="urn:schemas-microsoft-com:office:office" xmlns:v="urn:schemas-microsoft-com:vml" xmlns:pvml="urn:schemas-microsoft-com:office:powerpoint" xmlns:com="http://schemas.openxmlformats.org/drawingml/2006/compatibility" xmlns:p14="http://schemas.microsoft.com/office/powerpoint/2010/main" showMasterPhAnim="0" showMasterSp="0">
+  <p:cSld>
+    <p:spTree>
+      <p:nvGrpSpPr>
+        <p:cNvPr id="201" name="Shape 201"/>
+        <p:cNvGrpSpPr/>
+        <p:nvPr/>
+      </p:nvGrpSpPr>
+      <p:grpSpPr>
+        <a:xfrm>
+          <a:off x="0" y="0"/>
+          <a:ext cx="0" cy="0"/>
+          <a:chOff x="0" y="0"/>
+          <a:chExt cx="0" cy="0"/>
+        </a:xfrm>
+      </p:grpSpPr>
+      <p:sp>
+        <p:nvSpPr>
+          <p:cNvPr id="202" name="Shape 202"/>
+          <p:cNvSpPr/>
+          <p:nvPr>
+            <p:ph idx="2" type="sldImg"/>
+          </p:nvPr>
+        </p:nvSpPr>
+        <p:spPr>
+          <a:xfrm>
+            <a:off x="381300" y="685800"/>
+            <a:ext cx="6096000" cy="3429000"/>
+          </a:xfrm>
+          <a:custGeom>
+            <a:pathLst>
+              <a:path extrusionOk="0" h="120000" w="120000">
+                <a:moveTo>
+                  <a:pt x="0" y="0"/>
+                </a:moveTo>
+                <a:lnTo>
+                  <a:pt x="120000" y="0"/>
+                </a:lnTo>
+                <a:lnTo>
+                  <a:pt x="120000" y="120000"/>
+                </a:lnTo>
+                <a:lnTo>
+                  <a:pt x="0" y="120000"/>
+                </a:lnTo>
+                <a:close/>
+              </a:path>
+            </a:pathLst>
+          </a:custGeom>
+        </p:spPr>
+      </p:sp>
+      <p:sp>
+        <p:nvSpPr>
+          <p:cNvPr id="203" name="Shape 203"/>
+          <p:cNvSpPr txBox="1"/>
+          <p:nvPr>
+            <p:ph idx="1" type="body"/>
+          </p:nvPr>
+        </p:nvSpPr>
+        <p:spPr>
+          <a:xfrm>
+            <a:off x="685800" y="4343400"/>
+            <a:ext cx="5486400" cy="4114800"/>
+          </a:xfrm>
+          <a:prstGeom prst="rect">
+            <a:avLst/>
+          </a:prstGeom>
+        </p:spPr>
+        <p:txBody>
+          <a:bodyPr anchorCtr="0" anchor="t" bIns="91425" lIns="91425" rIns="91425" tIns="91425">
+            <a:noAutofit/>
+          </a:bodyPr>
+          <a:lstStyle/>
+          <a:p>
+            <a:pPr lvl="0">
+              <a:spcBef>
+                <a:spcPts val="0"/>
+              </a:spcBef>
+              <a:buNone/>
+            </a:pPr>
+            <a:r>
+              <a:t/>
+            </a:r>
+            <a:endParaRPr/>
+          </a:p>
+        </p:txBody>
+      </p:sp>
+    </p:spTree>
+  </p:cSld>
+  <p:clrMapOvr>
+    <a:masterClrMapping/>
+  </p:clrMapOvr>
+</p:notes>
+</file>
+
+<file path=ppt/notesSlides/notesSlide22.xml><?xml version="1.0" encoding="utf-8"?>
+<p:notes xmlns:a="http://schemas.openxmlformats.org/drawingml/2006/main" xmlns:r="http://schemas.openxmlformats.org/officeDocument/2006/relationships" xmlns:mc="http://schemas.openxmlformats.org/markup-compatibility/2006" xmlns:mv="urn:schemas-microsoft-com:mac:vml" xmlns:p="http://schemas.openxmlformats.org/presentationml/2006/main" xmlns:c="http://schemas.openxmlformats.org/drawingml/2006/chart" xmlns:dgm="http://schemas.openxmlformats.org/drawingml/2006/diagram" xmlns:o="urn:schemas-microsoft-com:office:office" xmlns:v="urn:schemas-microsoft-com:vml" xmlns:pvml="urn:schemas-microsoft-com:office:powerpoint" xmlns:com="http://schemas.openxmlformats.org/drawingml/2006/compatibility" xmlns:p14="http://schemas.microsoft.com/office/powerpoint/2010/main" showMasterPhAnim="0" showMasterSp="0">
+  <p:cSld>
+    <p:spTree>
+      <p:nvGrpSpPr>
+        <p:cNvPr id="207" name="Shape 207"/>
+        <p:cNvGrpSpPr/>
+        <p:nvPr/>
+      </p:nvGrpSpPr>
+      <p:grpSpPr>
+        <a:xfrm>
+          <a:off x="0" y="0"/>
+          <a:ext cx="0" cy="0"/>
+          <a:chOff x="0" y="0"/>
+          <a:chExt cx="0" cy="0"/>
+        </a:xfrm>
+      </p:grpSpPr>
+      <p:sp>
+        <p:nvSpPr>
+          <p:cNvPr id="208" name="Shape 208"/>
+          <p:cNvSpPr/>
+          <p:nvPr>
+            <p:ph idx="2" type="sldImg"/>
+          </p:nvPr>
+        </p:nvSpPr>
+        <p:spPr>
+          <a:xfrm>
+            <a:off x="381300" y="685800"/>
+            <a:ext cx="6096000" cy="3429000"/>
+          </a:xfrm>
+          <a:custGeom>
+            <a:pathLst>
+              <a:path extrusionOk="0" h="120000" w="120000">
+                <a:moveTo>
+                  <a:pt x="0" y="0"/>
+                </a:moveTo>
+                <a:lnTo>
+                  <a:pt x="120000" y="0"/>
+                </a:lnTo>
+                <a:lnTo>
+                  <a:pt x="120000" y="120000"/>
+                </a:lnTo>
+                <a:lnTo>
+                  <a:pt x="0" y="120000"/>
+                </a:lnTo>
+                <a:close/>
+              </a:path>
+            </a:pathLst>
+          </a:custGeom>
+        </p:spPr>
+      </p:sp>
+      <p:sp>
+        <p:nvSpPr>
+          <p:cNvPr id="209" name="Shape 209"/>
           <p:cNvSpPr txBox="1"/>
           <p:nvPr>
             <p:ph idx="1" type="body"/>
@@ -7603,7 +7795,7 @@
             </a:r>
           </a:p>
           <a:p>
-            <a:pPr indent="-330200" lvl="0" marL="457200">
+            <a:pPr indent="-330200" lvl="0" marL="457200" rtl="0">
               <a:spcBef>
                 <a:spcPts val="0"/>
               </a:spcBef>
@@ -7612,6 +7804,30 @@
             <a:r>
               <a:rPr lang="en" sz="1600"/>
               <a:t>Implementing softmax?</a:t>
+            </a:r>
+          </a:p>
+          <a:p>
+            <a:pPr indent="-330200" lvl="0" marL="457200" rtl="0">
+              <a:spcBef>
+                <a:spcPts val="0"/>
+              </a:spcBef>
+              <a:buSzPct val="100000"/>
+            </a:pPr>
+            <a:r>
+              <a:rPr lang="en" sz="1600"/>
+              <a:t>Currently using 8 bit values</a:t>
+            </a:r>
+          </a:p>
+          <a:p>
+            <a:pPr indent="-330200" lvl="0" marL="457200">
+              <a:spcBef>
+                <a:spcPts val="0"/>
+              </a:spcBef>
+              <a:buSzPct val="100000"/>
+            </a:pPr>
+            <a:r>
+              <a:rPr lang="en" sz="1600"/>
+              <a:t>Could push it to 4-5</a:t>
             </a:r>
           </a:p>
         </p:txBody>
@@ -7793,16 +8009,28 @@
             </a:r>
           </a:p>
           <a:p>
-            <a:pPr indent="-330200" lvl="0" marL="457200">
-              <a:spcBef>
-                <a:spcPts val="0"/>
-              </a:spcBef>
-              <a:buSzPct val="100000"/>
-              <a:buNone/>
+            <a:pPr indent="-330200" lvl="0" marL="457200" rtl="0">
+              <a:spcBef>
+                <a:spcPts val="0"/>
+              </a:spcBef>
+              <a:buSzPct val="100000"/>
             </a:pPr>
             <a:r>
               <a:rPr lang="en" sz="1600"/>
               <a:t>Increases latency of some components logarithmically</a:t>
+            </a:r>
+          </a:p>
+          <a:p>
+            <a:pPr indent="-330200" lvl="0" marL="457200">
+              <a:spcBef>
+                <a:spcPts val="0"/>
+              </a:spcBef>
+              <a:buSzPct val="100000"/>
+              <a:buNone/>
+            </a:pPr>
+            <a:r>
+              <a:rPr lang="en" sz="1600"/>
+              <a:t>What works individually, breaks memory budget in integration</a:t>
             </a:r>
           </a:p>
         </p:txBody>
@@ -8004,7 +8232,7 @@
             </a:pPr>
             <a:r>
               <a:rPr lang="en" sz="1600"/>
-              <a:t>Need to split the input</a:t>
+              <a:t>Need to split the input - a lot of extra logic</a:t>
             </a:r>
           </a:p>
         </p:txBody>
@@ -8231,7 +8459,7 @@
           </a:bodyPr>
           <a:lstStyle/>
           <a:p>
-            <a:pPr lvl="0" rtl="0">
+            <a:pPr lvl="0">
               <a:spcBef>
                 <a:spcPts val="0"/>
               </a:spcBef>
@@ -8239,7 +8467,7 @@
             </a:pPr>
             <a:r>
               <a:rPr lang="en"/>
-              <a:t>Conclusion</a:t>
+              <a:t>Successes &amp; failures</a:t>
             </a:r>
           </a:p>
         </p:txBody>
@@ -8274,7 +8502,342 @@
             </a:pPr>
             <a:r>
               <a:rPr lang="en"/>
-              <a:t>Amount of BRAM is a big constraint</a:t>
+              <a:t>CISR decoding is a lot harder than anticipated</a:t>
+            </a:r>
+          </a:p>
+          <a:p>
+            <a:pPr indent="-228600" lvl="0" marL="457200" rtl="0">
+              <a:spcBef>
+                <a:spcPts val="0"/>
+              </a:spcBef>
+            </a:pPr>
+            <a:r>
+              <a:rPr lang="en"/>
+              <a:t>Working with memory is easier than anticipated</a:t>
+            </a:r>
+          </a:p>
+          <a:p>
+            <a:pPr indent="-228600" lvl="0" marL="457200" rtl="0">
+              <a:spcBef>
+                <a:spcPts val="0"/>
+              </a:spcBef>
+            </a:pPr>
+            <a:r>
+              <a:rPr lang="en"/>
+              <a:t>Generate statements could be more powerful - some verilog that we could generate with python is not possible to make with generate statements</a:t>
+            </a:r>
+          </a:p>
+          <a:p>
+            <a:pPr indent="-228600" lvl="0" marL="457200" rtl="0">
+              <a:spcBef>
+                <a:spcPts val="0"/>
+              </a:spcBef>
+            </a:pPr>
+            <a:r>
+              <a:rPr lang="en"/>
+              <a:t>Softmax takes a lot more logic than anticipated - had to abandon</a:t>
+            </a:r>
+          </a:p>
+          <a:p>
+            <a:pPr indent="-228600" lvl="0" marL="457200" rtl="0">
+              <a:spcBef>
+                <a:spcPts val="0"/>
+              </a:spcBef>
+            </a:pPr>
+            <a:r>
+              <a:rPr lang="en"/>
+              <a:t>Where we are currently?</a:t>
+            </a:r>
+          </a:p>
+          <a:p>
+            <a:pPr indent="-228600" lvl="1" marL="914400" rtl="0">
+              <a:spcBef>
+                <a:spcPts val="0"/>
+              </a:spcBef>
+            </a:pPr>
+            <a:r>
+              <a:rPr lang="en"/>
+              <a:t>All modules implemented</a:t>
+            </a:r>
+          </a:p>
+          <a:p>
+            <a:pPr indent="-228600" lvl="1" marL="914400" rtl="0">
+              <a:spcBef>
+                <a:spcPts val="0"/>
+              </a:spcBef>
+            </a:pPr>
+            <a:r>
+              <a:rPr lang="en"/>
+              <a:t>BRAM and DRAM working</a:t>
+            </a:r>
+          </a:p>
+          <a:p>
+            <a:pPr indent="-228600" lvl="1" marL="914400" rtl="0">
+              <a:spcBef>
+                <a:spcPts val="0"/>
+              </a:spcBef>
+            </a:pPr>
+            <a:r>
+              <a:rPr lang="en"/>
+              <a:t>CISR working and tested</a:t>
+            </a:r>
+          </a:p>
+          <a:p>
+            <a:pPr indent="-228600" lvl="1" marL="914400" rtl="0">
+              <a:spcBef>
+                <a:spcPts val="0"/>
+              </a:spcBef>
+            </a:pPr>
+            <a:r>
+              <a:rPr lang="en"/>
+              <a:t>BVB working and tested</a:t>
+            </a:r>
+          </a:p>
+          <a:p>
+            <a:pPr indent="-228600" lvl="1" marL="914400" rtl="0">
+              <a:spcBef>
+                <a:spcPts val="0"/>
+              </a:spcBef>
+            </a:pPr>
+            <a:r>
+              <a:rPr lang="en"/>
+              <a:t>Channels and summers working and tested</a:t>
+            </a:r>
+          </a:p>
+          <a:p>
+            <a:pPr indent="-228600" lvl="1" marL="914400" rtl="0">
+              <a:spcBef>
+                <a:spcPts val="0"/>
+              </a:spcBef>
+            </a:pPr>
+            <a:r>
+              <a:rPr lang="en"/>
+              <a:t>But together causing problems</a:t>
+            </a:r>
+          </a:p>
+        </p:txBody>
+      </p:sp>
+    </p:spTree>
+  </p:cSld>
+  <p:clrMapOvr>
+    <a:masterClrMapping/>
+  </p:clrMapOvr>
+</p:sld>
+</file>
+
+<file path=ppt/slides/slide21.xml><?xml version="1.0" encoding="utf-8"?>
+<p:sld xmlns:a="http://schemas.openxmlformats.org/drawingml/2006/main" xmlns:r="http://schemas.openxmlformats.org/officeDocument/2006/relationships" xmlns:mc="http://schemas.openxmlformats.org/markup-compatibility/2006" xmlns:mv="urn:schemas-microsoft-com:mac:vml" xmlns:p="http://schemas.openxmlformats.org/presentationml/2006/main" xmlns:c="http://schemas.openxmlformats.org/drawingml/2006/chart" xmlns:dgm="http://schemas.openxmlformats.org/drawingml/2006/diagram" xmlns:o="urn:schemas-microsoft-com:office:office" xmlns:v="urn:schemas-microsoft-com:vml" xmlns:pvml="urn:schemas-microsoft-com:office:powerpoint" xmlns:com="http://schemas.openxmlformats.org/drawingml/2006/compatibility" xmlns:p14="http://schemas.microsoft.com/office/powerpoint/2010/main">
+  <p:cSld>
+    <p:spTree>
+      <p:nvGrpSpPr>
+        <p:cNvPr id="204" name="Shape 204"/>
+        <p:cNvGrpSpPr/>
+        <p:nvPr/>
+      </p:nvGrpSpPr>
+      <p:grpSpPr>
+        <a:xfrm>
+          <a:off x="0" y="0"/>
+          <a:ext cx="0" cy="0"/>
+          <a:chOff x="0" y="0"/>
+          <a:chExt cx="0" cy="0"/>
+        </a:xfrm>
+      </p:grpSpPr>
+      <p:sp>
+        <p:nvSpPr>
+          <p:cNvPr id="205" name="Shape 205"/>
+          <p:cNvSpPr txBox="1"/>
+          <p:nvPr>
+            <p:ph type="title"/>
+          </p:nvPr>
+        </p:nvSpPr>
+        <p:spPr>
+          <a:xfrm>
+            <a:off x="311700" y="445025"/>
+            <a:ext cx="8520600" cy="572700"/>
+          </a:xfrm>
+          <a:prstGeom prst="rect">
+            <a:avLst/>
+          </a:prstGeom>
+        </p:spPr>
+        <p:txBody>
+          <a:bodyPr anchorCtr="0" anchor="t" bIns="91425" lIns="91425" rIns="91425" tIns="91425">
+            <a:noAutofit/>
+          </a:bodyPr>
+          <a:lstStyle/>
+          <a:p>
+            <a:pPr lvl="0">
+              <a:spcBef>
+                <a:spcPts val="0"/>
+              </a:spcBef>
+              <a:buNone/>
+            </a:pPr>
+            <a:r>
+              <a:rPr lang="en"/>
+              <a:t>Nice-to-haves</a:t>
+            </a:r>
+          </a:p>
+        </p:txBody>
+      </p:sp>
+      <p:sp>
+        <p:nvSpPr>
+          <p:cNvPr id="206" name="Shape 206"/>
+          <p:cNvSpPr txBox="1"/>
+          <p:nvPr>
+            <p:ph idx="1" type="body"/>
+          </p:nvPr>
+        </p:nvSpPr>
+        <p:spPr>
+          <a:xfrm>
+            <a:off x="311700" y="1152475"/>
+            <a:ext cx="8520600" cy="3416400"/>
+          </a:xfrm>
+          <a:prstGeom prst="rect">
+            <a:avLst/>
+          </a:prstGeom>
+        </p:spPr>
+        <p:txBody>
+          <a:bodyPr anchorCtr="0" anchor="t" bIns="91425" lIns="91425" rIns="91425" tIns="91425">
+            <a:noAutofit/>
+          </a:bodyPr>
+          <a:lstStyle/>
+          <a:p>
+            <a:pPr indent="-228600" lvl="0" marL="457200" rtl="0">
+              <a:spcBef>
+                <a:spcPts val="0"/>
+              </a:spcBef>
+            </a:pPr>
+            <a:r>
+              <a:rPr lang="en"/>
+              <a:t>Working on VGA output of the input images</a:t>
+            </a:r>
+          </a:p>
+          <a:p>
+            <a:pPr indent="-228600" lvl="0" marL="457200" rtl="0">
+              <a:spcBef>
+                <a:spcPts val="0"/>
+              </a:spcBef>
+            </a:pPr>
+            <a:r>
+              <a:rPr lang="en"/>
+              <a:t>Working on python templating the verilog files</a:t>
+            </a:r>
+          </a:p>
+          <a:p>
+            <a:pPr indent="-228600" lvl="0" marL="457200" rtl="0">
+              <a:spcBef>
+                <a:spcPts val="0"/>
+              </a:spcBef>
+            </a:pPr>
+            <a:r>
+              <a:rPr lang="en"/>
+              <a:t>Working on splitting the BVB so that BRAM isn’t an issue</a:t>
+            </a:r>
+          </a:p>
+          <a:p>
+            <a:pPr indent="-228600" lvl="0" marL="457200">
+              <a:spcBef>
+                <a:spcPts val="0"/>
+              </a:spcBef>
+            </a:pPr>
+            <a:r>
+              <a:rPr lang="en"/>
+              <a:t>Working on a one-push solution for generating code, synthesizing, and flashing</a:t>
+            </a:r>
+          </a:p>
+        </p:txBody>
+      </p:sp>
+    </p:spTree>
+  </p:cSld>
+  <p:clrMapOvr>
+    <a:masterClrMapping/>
+  </p:clrMapOvr>
+</p:sld>
+</file>
+
+<file path=ppt/slides/slide22.xml><?xml version="1.0" encoding="utf-8"?>
+<p:sld xmlns:a="http://schemas.openxmlformats.org/drawingml/2006/main" xmlns:r="http://schemas.openxmlformats.org/officeDocument/2006/relationships" xmlns:mc="http://schemas.openxmlformats.org/markup-compatibility/2006" xmlns:mv="urn:schemas-microsoft-com:mac:vml" xmlns:p="http://schemas.openxmlformats.org/presentationml/2006/main" xmlns:c="http://schemas.openxmlformats.org/drawingml/2006/chart" xmlns:dgm="http://schemas.openxmlformats.org/drawingml/2006/diagram" xmlns:o="urn:schemas-microsoft-com:office:office" xmlns:v="urn:schemas-microsoft-com:vml" xmlns:pvml="urn:schemas-microsoft-com:office:powerpoint" xmlns:com="http://schemas.openxmlformats.org/drawingml/2006/compatibility" xmlns:p14="http://schemas.microsoft.com/office/powerpoint/2010/main">
+  <p:cSld>
+    <p:spTree>
+      <p:nvGrpSpPr>
+        <p:cNvPr id="210" name="Shape 210"/>
+        <p:cNvGrpSpPr/>
+        <p:nvPr/>
+      </p:nvGrpSpPr>
+      <p:grpSpPr>
+        <a:xfrm>
+          <a:off x="0" y="0"/>
+          <a:ext cx="0" cy="0"/>
+          <a:chOff x="0" y="0"/>
+          <a:chExt cx="0" cy="0"/>
+        </a:xfrm>
+      </p:grpSpPr>
+      <p:sp>
+        <p:nvSpPr>
+          <p:cNvPr id="211" name="Shape 211"/>
+          <p:cNvSpPr txBox="1"/>
+          <p:nvPr>
+            <p:ph type="title"/>
+          </p:nvPr>
+        </p:nvSpPr>
+        <p:spPr>
+          <a:xfrm>
+            <a:off x="311700" y="445025"/>
+            <a:ext cx="8520600" cy="572700"/>
+          </a:xfrm>
+          <a:prstGeom prst="rect">
+            <a:avLst/>
+          </a:prstGeom>
+        </p:spPr>
+        <p:txBody>
+          <a:bodyPr anchorCtr="0" anchor="t" bIns="91425" lIns="91425" rIns="91425" tIns="91425">
+            <a:noAutofit/>
+          </a:bodyPr>
+          <a:lstStyle/>
+          <a:p>
+            <a:pPr lvl="0" rtl="0">
+              <a:spcBef>
+                <a:spcPts val="0"/>
+              </a:spcBef>
+              <a:buNone/>
+            </a:pPr>
+            <a:r>
+              <a:rPr lang="en"/>
+              <a:t>Conclusion</a:t>
+            </a:r>
+          </a:p>
+        </p:txBody>
+      </p:sp>
+      <p:sp>
+        <p:nvSpPr>
+          <p:cNvPr id="212" name="Shape 212"/>
+          <p:cNvSpPr txBox="1"/>
+          <p:nvPr>
+            <p:ph idx="1" type="body"/>
+          </p:nvPr>
+        </p:nvSpPr>
+        <p:spPr>
+          <a:xfrm>
+            <a:off x="311700" y="1152475"/>
+            <a:ext cx="8520600" cy="3416400"/>
+          </a:xfrm>
+          <a:prstGeom prst="rect">
+            <a:avLst/>
+          </a:prstGeom>
+        </p:spPr>
+        <p:txBody>
+          <a:bodyPr anchorCtr="0" anchor="t" bIns="91425" lIns="91425" rIns="91425" tIns="91425">
+            <a:noAutofit/>
+          </a:bodyPr>
+          <a:lstStyle/>
+          <a:p>
+            <a:pPr indent="-228600" lvl="0" marL="457200" rtl="0">
+              <a:spcBef>
+                <a:spcPts val="0"/>
+              </a:spcBef>
+            </a:pPr>
+            <a:r>
+              <a:rPr lang="en"/>
+              <a:t>Amount of BRAM is a big constraint - we have logic we can’t utilize without more BRAM</a:t>
             </a:r>
           </a:p>
           <a:p>
@@ -8414,7 +8977,7 @@
             </a:pPr>
             <a:r>
               <a:rPr lang="en"/>
-              <a:t>They are also pretty useful</a:t>
+              <a:t>They are also pretty useful - even Uber made an AI team last week</a:t>
             </a:r>
           </a:p>
           <a:p>
@@ -8425,7 +8988,7 @@
             </a:pPr>
             <a:r>
               <a:rPr lang="en"/>
-              <a:t>Most neural networks are heavily overparametrized</a:t>
+              <a:t>Most neural networks are heavily overparameterized</a:t>
             </a:r>
           </a:p>
           <a:p>
@@ -8458,7 +9021,7 @@
             </a:pPr>
             <a:r>
               <a:rPr lang="en"/>
-              <a:t>Quantizing weights to 16, 8, 1 bit?</a:t>
+              <a:t>Quantizing weights to 16, 8, even 1 bit?</a:t>
             </a:r>
           </a:p>
           <a:p>
